--- a/выступление/Flarket.pptx
+++ b/выступление/Flarket.pptx
@@ -14,8 +14,9 @@
     <p:sldId id="265" r:id="rId8"/>
     <p:sldId id="264" r:id="rId9"/>
     <p:sldId id="262" r:id="rId10"/>
-    <p:sldId id="263" r:id="rId11"/>
-    <p:sldId id="266" r:id="rId12"/>
+    <p:sldId id="267" r:id="rId11"/>
+    <p:sldId id="263" r:id="rId12"/>
+    <p:sldId id="266" r:id="rId13"/>
   </p:sldIdLst>
   <p:sldSz cx="12192000" cy="6858000"/>
   <p:notesSz cx="6858000" cy="9144000"/>
@@ -284,7 +285,7 @@
           <a:p>
             <a:fld id="{E9F010A3-990B-4ADD-9E6C-0E4FB0F3C2D1}" type="datetimeFigureOut">
               <a:rPr lang="ru-RU" smtClean="0"/>
-              <a:t>26.04.2023</a:t>
+              <a:t>27.04.2023</a:t>
             </a:fld>
             <a:endParaRPr lang="ru-RU"/>
           </a:p>
@@ -565,7 +566,7 @@
           <a:p>
             <a:fld id="{E9F010A3-990B-4ADD-9E6C-0E4FB0F3C2D1}" type="datetimeFigureOut">
               <a:rPr lang="ru-RU" smtClean="0"/>
-              <a:t>26.04.2023</a:t>
+              <a:t>27.04.2023</a:t>
             </a:fld>
             <a:endParaRPr lang="ru-RU"/>
           </a:p>
@@ -757,7 +758,7 @@
           <a:p>
             <a:fld id="{E9F010A3-990B-4ADD-9E6C-0E4FB0F3C2D1}" type="datetimeFigureOut">
               <a:rPr lang="ru-RU" smtClean="0"/>
-              <a:t>26.04.2023</a:t>
+              <a:t>27.04.2023</a:t>
             </a:fld>
             <a:endParaRPr lang="ru-RU"/>
           </a:p>
@@ -1018,7 +1019,7 @@
           <a:p>
             <a:fld id="{E9F010A3-990B-4ADD-9E6C-0E4FB0F3C2D1}" type="datetimeFigureOut">
               <a:rPr lang="ru-RU" smtClean="0"/>
-              <a:t>26.04.2023</a:t>
+              <a:t>27.04.2023</a:t>
             </a:fld>
             <a:endParaRPr lang="ru-RU"/>
           </a:p>
@@ -1444,7 +1445,7 @@
           <a:p>
             <a:fld id="{E9F010A3-990B-4ADD-9E6C-0E4FB0F3C2D1}" type="datetimeFigureOut">
               <a:rPr lang="ru-RU" smtClean="0"/>
-              <a:t>26.04.2023</a:t>
+              <a:t>27.04.2023</a:t>
             </a:fld>
             <a:endParaRPr lang="ru-RU"/>
           </a:p>
@@ -1990,7 +1991,7 @@
           <a:p>
             <a:fld id="{E9F010A3-990B-4ADD-9E6C-0E4FB0F3C2D1}" type="datetimeFigureOut">
               <a:rPr lang="ru-RU" smtClean="0"/>
-              <a:t>26.04.2023</a:t>
+              <a:t>27.04.2023</a:t>
             </a:fld>
             <a:endParaRPr lang="ru-RU"/>
           </a:p>
@@ -2821,7 +2822,7 @@
           <a:p>
             <a:fld id="{E9F010A3-990B-4ADD-9E6C-0E4FB0F3C2D1}" type="datetimeFigureOut">
               <a:rPr lang="ru-RU" smtClean="0"/>
-              <a:t>26.04.2023</a:t>
+              <a:t>27.04.2023</a:t>
             </a:fld>
             <a:endParaRPr lang="ru-RU"/>
           </a:p>
@@ -2991,7 +2992,7 @@
           <a:p>
             <a:fld id="{E9F010A3-990B-4ADD-9E6C-0E4FB0F3C2D1}" type="datetimeFigureOut">
               <a:rPr lang="ru-RU" smtClean="0"/>
-              <a:t>26.04.2023</a:t>
+              <a:t>27.04.2023</a:t>
             </a:fld>
             <a:endParaRPr lang="ru-RU"/>
           </a:p>
@@ -3171,7 +3172,7 @@
           <a:p>
             <a:fld id="{E9F010A3-990B-4ADD-9E6C-0E4FB0F3C2D1}" type="datetimeFigureOut">
               <a:rPr lang="ru-RU" smtClean="0"/>
-              <a:t>26.04.2023</a:t>
+              <a:t>27.04.2023</a:t>
             </a:fld>
             <a:endParaRPr lang="ru-RU"/>
           </a:p>
@@ -3341,7 +3342,7 @@
           <a:p>
             <a:fld id="{E9F010A3-990B-4ADD-9E6C-0E4FB0F3C2D1}" type="datetimeFigureOut">
               <a:rPr lang="ru-RU" smtClean="0"/>
-              <a:t>26.04.2023</a:t>
+              <a:t>27.04.2023</a:t>
             </a:fld>
             <a:endParaRPr lang="ru-RU"/>
           </a:p>
@@ -3598,7 +3599,7 @@
           <a:p>
             <a:fld id="{E9F010A3-990B-4ADD-9E6C-0E4FB0F3C2D1}" type="datetimeFigureOut">
               <a:rPr lang="ru-RU" smtClean="0"/>
-              <a:t>26.04.2023</a:t>
+              <a:t>27.04.2023</a:t>
             </a:fld>
             <a:endParaRPr lang="ru-RU"/>
           </a:p>
@@ -3830,7 +3831,7 @@
           <a:p>
             <a:fld id="{E9F010A3-990B-4ADD-9E6C-0E4FB0F3C2D1}" type="datetimeFigureOut">
               <a:rPr lang="ru-RU" smtClean="0"/>
-              <a:t>26.04.2023</a:t>
+              <a:t>27.04.2023</a:t>
             </a:fld>
             <a:endParaRPr lang="ru-RU"/>
           </a:p>
@@ -4223,7 +4224,7 @@
           <a:p>
             <a:fld id="{E9F010A3-990B-4ADD-9E6C-0E4FB0F3C2D1}" type="datetimeFigureOut">
               <a:rPr lang="ru-RU" smtClean="0"/>
-              <a:t>26.04.2023</a:t>
+              <a:t>27.04.2023</a:t>
             </a:fld>
             <a:endParaRPr lang="ru-RU"/>
           </a:p>
@@ -4341,7 +4342,7 @@
           <a:p>
             <a:fld id="{E9F010A3-990B-4ADD-9E6C-0E4FB0F3C2D1}" type="datetimeFigureOut">
               <a:rPr lang="ru-RU" smtClean="0"/>
-              <a:t>26.04.2023</a:t>
+              <a:t>27.04.2023</a:t>
             </a:fld>
             <a:endParaRPr lang="ru-RU"/>
           </a:p>
@@ -4436,7 +4437,7 @@
           <a:p>
             <a:fld id="{E9F010A3-990B-4ADD-9E6C-0E4FB0F3C2D1}" type="datetimeFigureOut">
               <a:rPr lang="ru-RU" smtClean="0"/>
-              <a:t>26.04.2023</a:t>
+              <a:t>27.04.2023</a:t>
             </a:fld>
             <a:endParaRPr lang="ru-RU"/>
           </a:p>
@@ -4709,7 +4710,7 @@
           <a:p>
             <a:fld id="{E9F010A3-990B-4ADD-9E6C-0E4FB0F3C2D1}" type="datetimeFigureOut">
               <a:rPr lang="ru-RU" smtClean="0"/>
-              <a:t>26.04.2023</a:t>
+              <a:t>27.04.2023</a:t>
             </a:fld>
             <a:endParaRPr lang="ru-RU"/>
           </a:p>
@@ -4990,7 +4991,7 @@
           <a:p>
             <a:fld id="{E9F010A3-990B-4ADD-9E6C-0E4FB0F3C2D1}" type="datetimeFigureOut">
               <a:rPr lang="ru-RU" smtClean="0"/>
-              <a:t>26.04.2023</a:t>
+              <a:t>27.04.2023</a:t>
             </a:fld>
             <a:endParaRPr lang="ru-RU"/>
           </a:p>
@@ -5230,7 +5231,7 @@
           <a:p>
             <a:fld id="{E9F010A3-990B-4ADD-9E6C-0E4FB0F3C2D1}" type="datetimeFigureOut">
               <a:rPr lang="ru-RU" smtClean="0"/>
-              <a:t>26.04.2023</a:t>
+              <a:t>27.04.2023</a:t>
             </a:fld>
             <a:endParaRPr lang="ru-RU"/>
           </a:p>
@@ -5894,6 +5895,243 @@
           <p:cNvPr id="2" name="Заголовок 1">
             <a:extLst>
               <a:ext uri="{FF2B5EF4-FFF2-40B4-BE49-F238E27FC236}">
+                <a16:creationId xmlns:a16="http://schemas.microsoft.com/office/drawing/2014/main" id="{DBE94516-0C78-0A57-DBB5-27D26A5C2066}"/>
+              </a:ext>
+            </a:extLst>
+          </p:cNvPr>
+          <p:cNvSpPr>
+            <a:spLocks noGrp="1"/>
+          </p:cNvSpPr>
+          <p:nvPr>
+            <p:ph type="title"/>
+          </p:nvPr>
+        </p:nvSpPr>
+        <p:spPr>
+          <a:xfrm>
+            <a:off x="0" y="137935"/>
+            <a:ext cx="12127345" cy="1325563"/>
+          </a:xfrm>
+        </p:spPr>
+        <p:txBody>
+          <a:bodyPr>
+            <a:normAutofit/>
+          </a:bodyPr>
+          <a:lstStyle/>
+          <a:p>
+            <a:r>
+              <a:rPr lang="ru-RU" sz="4400" dirty="0"/>
+              <a:t>При ошибке вас будет встречать эта страничка</a:t>
+            </a:r>
+          </a:p>
+        </p:txBody>
+      </p:sp>
+      <p:sp>
+        <p:nvSpPr>
+          <p:cNvPr id="4" name="Заголовок 1">
+            <a:extLst>
+              <a:ext uri="{FF2B5EF4-FFF2-40B4-BE49-F238E27FC236}">
+                <a16:creationId xmlns:a16="http://schemas.microsoft.com/office/drawing/2014/main" id="{03C0762F-AA30-EEA4-D22B-5F433B80453F}"/>
+              </a:ext>
+            </a:extLst>
+          </p:cNvPr>
+          <p:cNvSpPr txBox="1">
+            <a:spLocks/>
+          </p:cNvSpPr>
+          <p:nvPr/>
+        </p:nvSpPr>
+        <p:spPr>
+          <a:xfrm>
+            <a:off x="975135" y="1209426"/>
+            <a:ext cx="4099065" cy="795837"/>
+          </a:xfrm>
+          <a:prstGeom prst="rect">
+            <a:avLst/>
+          </a:prstGeom>
+        </p:spPr>
+        <p:txBody>
+          <a:bodyPr vert="horz" lIns="91440" tIns="45720" rIns="91440" bIns="45720" rtlCol="0" anchor="ctr">
+            <a:normAutofit fontScale="97500"/>
+          </a:bodyPr>
+          <a:lstStyle>
+            <a:lvl1pPr algn="l" defTabSz="914400" rtl="0" eaLnBrk="1" latinLnBrk="0" hangingPunct="1">
+              <a:lnSpc>
+                <a:spcPct val="90000"/>
+              </a:lnSpc>
+              <a:spcBef>
+                <a:spcPct val="0"/>
+              </a:spcBef>
+              <a:buNone/>
+              <a:defRPr sz="5400" b="0" kern="1200">
+                <a:gradFill flip="none" rotWithShape="1">
+                  <a:gsLst>
+                    <a:gs pos="28000">
+                      <a:schemeClr val="tx1">
+                        <a:lumMod val="93000"/>
+                      </a:schemeClr>
+                    </a:gs>
+                    <a:gs pos="0">
+                      <a:schemeClr val="bg1">
+                        <a:lumMod val="13000"/>
+                        <a:lumOff val="87000"/>
+                      </a:schemeClr>
+                    </a:gs>
+                    <a:gs pos="100000">
+                      <a:schemeClr val="tx2">
+                        <a:lumMod val="0"/>
+                        <a:lumOff val="100000"/>
+                      </a:schemeClr>
+                    </a:gs>
+                  </a:gsLst>
+                  <a:lin ang="4800000" scaled="0"/>
+                  <a:tileRect/>
+                </a:gradFill>
+                <a:latin typeface="+mj-lt"/>
+                <a:ea typeface="+mj-ea"/>
+                <a:cs typeface="+mj-cs"/>
+              </a:defRPr>
+            </a:lvl1pPr>
+          </a:lstStyle>
+          <a:p>
+            <a:endParaRPr lang="ru-RU" sz="4400" dirty="0"/>
+          </a:p>
+        </p:txBody>
+      </p:sp>
+      <p:sp>
+        <p:nvSpPr>
+          <p:cNvPr id="7" name="Заголовок 1">
+            <a:extLst>
+              <a:ext uri="{FF2B5EF4-FFF2-40B4-BE49-F238E27FC236}">
+                <a16:creationId xmlns:a16="http://schemas.microsoft.com/office/drawing/2014/main" id="{DA4E38F0-6799-F4AD-723C-0E7B61CC17D3}"/>
+              </a:ext>
+            </a:extLst>
+          </p:cNvPr>
+          <p:cNvSpPr txBox="1">
+            <a:spLocks/>
+          </p:cNvSpPr>
+          <p:nvPr/>
+        </p:nvSpPr>
+        <p:spPr>
+          <a:xfrm>
+            <a:off x="7401120" y="1151526"/>
+            <a:ext cx="3956692" cy="795838"/>
+          </a:xfrm>
+          <a:prstGeom prst="rect">
+            <a:avLst/>
+          </a:prstGeom>
+        </p:spPr>
+        <p:txBody>
+          <a:bodyPr vert="horz" lIns="91440" tIns="45720" rIns="91440" bIns="45720" rtlCol="0" anchor="ctr">
+            <a:normAutofit fontScale="97500"/>
+          </a:bodyPr>
+          <a:lstStyle>
+            <a:lvl1pPr algn="l" defTabSz="914400" rtl="0" eaLnBrk="1" latinLnBrk="0" hangingPunct="1">
+              <a:lnSpc>
+                <a:spcPct val="90000"/>
+              </a:lnSpc>
+              <a:spcBef>
+                <a:spcPct val="0"/>
+              </a:spcBef>
+              <a:buNone/>
+              <a:defRPr sz="5400" b="0" kern="1200">
+                <a:gradFill flip="none" rotWithShape="1">
+                  <a:gsLst>
+                    <a:gs pos="28000">
+                      <a:schemeClr val="tx1">
+                        <a:lumMod val="93000"/>
+                      </a:schemeClr>
+                    </a:gs>
+                    <a:gs pos="0">
+                      <a:schemeClr val="bg1">
+                        <a:lumMod val="13000"/>
+                        <a:lumOff val="87000"/>
+                      </a:schemeClr>
+                    </a:gs>
+                    <a:gs pos="100000">
+                      <a:schemeClr val="tx2">
+                        <a:lumMod val="0"/>
+                        <a:lumOff val="100000"/>
+                      </a:schemeClr>
+                    </a:gs>
+                  </a:gsLst>
+                  <a:lin ang="4800000" scaled="0"/>
+                  <a:tileRect/>
+                </a:gradFill>
+                <a:latin typeface="+mj-lt"/>
+                <a:ea typeface="+mj-ea"/>
+                <a:cs typeface="+mj-cs"/>
+              </a:defRPr>
+            </a:lvl1pPr>
+          </a:lstStyle>
+          <a:p>
+            <a:endParaRPr lang="ru-RU" sz="4400" dirty="0"/>
+          </a:p>
+        </p:txBody>
+      </p:sp>
+      <p:pic>
+        <p:nvPicPr>
+          <p:cNvPr id="5" name="Рисунок 4">
+            <a:extLst>
+              <a:ext uri="{FF2B5EF4-FFF2-40B4-BE49-F238E27FC236}">
+                <a16:creationId xmlns:a16="http://schemas.microsoft.com/office/drawing/2014/main" id="{E1E18FC9-56D7-15E8-3C87-A7BBA464BCF1}"/>
+              </a:ext>
+            </a:extLst>
+          </p:cNvPr>
+          <p:cNvPicPr>
+            <a:picLocks noChangeAspect="1"/>
+          </p:cNvPicPr>
+          <p:nvPr/>
+        </p:nvPicPr>
+        <p:blipFill>
+          <a:blip r:embed="rId2"/>
+          <a:stretch>
+            <a:fillRect/>
+          </a:stretch>
+        </p:blipFill>
+        <p:spPr>
+          <a:xfrm>
+            <a:off x="2395288" y="1463498"/>
+            <a:ext cx="7336767" cy="3701210"/>
+          </a:xfrm>
+          <a:prstGeom prst="rect">
+            <a:avLst/>
+          </a:prstGeom>
+        </p:spPr>
+      </p:pic>
+    </p:spTree>
+    <p:extLst>
+      <p:ext uri="{BB962C8B-B14F-4D97-AF65-F5344CB8AC3E}">
+        <p14:creationId xmlns:p14="http://schemas.microsoft.com/office/powerpoint/2010/main" val="655519709"/>
+      </p:ext>
+    </p:extLst>
+  </p:cSld>
+  <p:clrMapOvr>
+    <a:masterClrMapping/>
+  </p:clrMapOvr>
+</p:sld>
+</file>
+
+<file path=ppt/slides/slide11.xml><?xml version="1.0" encoding="utf-8"?>
+<p:sld xmlns:a="http://schemas.openxmlformats.org/drawingml/2006/main" xmlns:r="http://schemas.openxmlformats.org/officeDocument/2006/relationships" xmlns:p="http://schemas.openxmlformats.org/presentationml/2006/main">
+  <p:cSld>
+    <p:spTree>
+      <p:nvGrpSpPr>
+        <p:cNvPr id="1" name=""/>
+        <p:cNvGrpSpPr/>
+        <p:nvPr/>
+      </p:nvGrpSpPr>
+      <p:grpSpPr>
+        <a:xfrm>
+          <a:off x="0" y="0"/>
+          <a:ext cx="0" cy="0"/>
+          <a:chOff x="0" y="0"/>
+          <a:chExt cx="0" cy="0"/>
+        </a:xfrm>
+      </p:grpSpPr>
+      <p:sp>
+        <p:nvSpPr>
+          <p:cNvPr id="2" name="Заголовок 1">
+            <a:extLst>
+              <a:ext uri="{FF2B5EF4-FFF2-40B4-BE49-F238E27FC236}">
                 <a16:creationId xmlns:a16="http://schemas.microsoft.com/office/drawing/2014/main" id="{5847D461-DC04-BBE7-6AD6-D89DCEF00F85}"/>
               </a:ext>
             </a:extLst>
@@ -6040,7 +6278,7 @@
 </p:sld>
 </file>
 
-<file path=ppt/slides/slide11.xml><?xml version="1.0" encoding="utf-8"?>
+<file path=ppt/slides/slide12.xml><?xml version="1.0" encoding="utf-8"?>
 <p:sld xmlns:a="http://schemas.openxmlformats.org/drawingml/2006/main" xmlns:r="http://schemas.openxmlformats.org/officeDocument/2006/relationships" xmlns:p="http://schemas.openxmlformats.org/presentationml/2006/main">
   <p:cSld>
     <p:spTree>
